--- a/HGP/1017/webCrawling.pptx
+++ b/HGP/1017/webCrawling.pptx
@@ -306,7 +306,7 @@
           <a:p>
             <a:fld id="{35E42F27-78EE-462F-9F83-63B7CD668DFF}" type="datetimeFigureOut">
               <a:rPr lang="ko-KR" altLang="en-US" smtClean="0"/>
-              <a:t>2025-10-17</a:t>
+              <a:t>2025-10-20</a:t>
             </a:fld>
             <a:endParaRPr lang="ko-KR" altLang="en-US"/>
           </a:p>
@@ -504,7 +504,7 @@
           <a:p>
             <a:fld id="{35E42F27-78EE-462F-9F83-63B7CD668DFF}" type="datetimeFigureOut">
               <a:rPr lang="ko-KR" altLang="en-US" smtClean="0"/>
-              <a:t>2025-10-17</a:t>
+              <a:t>2025-10-20</a:t>
             </a:fld>
             <a:endParaRPr lang="ko-KR" altLang="en-US"/>
           </a:p>
@@ -712,7 +712,7 @@
           <a:p>
             <a:fld id="{35E42F27-78EE-462F-9F83-63B7CD668DFF}" type="datetimeFigureOut">
               <a:rPr lang="ko-KR" altLang="en-US" smtClean="0"/>
-              <a:t>2025-10-17</a:t>
+              <a:t>2025-10-20</a:t>
             </a:fld>
             <a:endParaRPr lang="ko-KR" altLang="en-US"/>
           </a:p>
@@ -910,7 +910,7 @@
           <a:p>
             <a:fld id="{35E42F27-78EE-462F-9F83-63B7CD668DFF}" type="datetimeFigureOut">
               <a:rPr lang="ko-KR" altLang="en-US" smtClean="0"/>
-              <a:t>2025-10-17</a:t>
+              <a:t>2025-10-20</a:t>
             </a:fld>
             <a:endParaRPr lang="ko-KR" altLang="en-US"/>
           </a:p>
@@ -1185,7 +1185,7 @@
           <a:p>
             <a:fld id="{35E42F27-78EE-462F-9F83-63B7CD668DFF}" type="datetimeFigureOut">
               <a:rPr lang="ko-KR" altLang="en-US" smtClean="0"/>
-              <a:t>2025-10-17</a:t>
+              <a:t>2025-10-20</a:t>
             </a:fld>
             <a:endParaRPr lang="ko-KR" altLang="en-US"/>
           </a:p>
@@ -1450,7 +1450,7 @@
           <a:p>
             <a:fld id="{35E42F27-78EE-462F-9F83-63B7CD668DFF}" type="datetimeFigureOut">
               <a:rPr lang="ko-KR" altLang="en-US" smtClean="0"/>
-              <a:t>2025-10-17</a:t>
+              <a:t>2025-10-20</a:t>
             </a:fld>
             <a:endParaRPr lang="ko-KR" altLang="en-US"/>
           </a:p>
@@ -1862,7 +1862,7 @@
           <a:p>
             <a:fld id="{35E42F27-78EE-462F-9F83-63B7CD668DFF}" type="datetimeFigureOut">
               <a:rPr lang="ko-KR" altLang="en-US" smtClean="0"/>
-              <a:t>2025-10-17</a:t>
+              <a:t>2025-10-20</a:t>
             </a:fld>
             <a:endParaRPr lang="ko-KR" altLang="en-US"/>
           </a:p>
@@ -2003,7 +2003,7 @@
           <a:p>
             <a:fld id="{35E42F27-78EE-462F-9F83-63B7CD668DFF}" type="datetimeFigureOut">
               <a:rPr lang="ko-KR" altLang="en-US" smtClean="0"/>
-              <a:t>2025-10-17</a:t>
+              <a:t>2025-10-20</a:t>
             </a:fld>
             <a:endParaRPr lang="ko-KR" altLang="en-US"/>
           </a:p>
@@ -2116,7 +2116,7 @@
           <a:p>
             <a:fld id="{35E42F27-78EE-462F-9F83-63B7CD668DFF}" type="datetimeFigureOut">
               <a:rPr lang="ko-KR" altLang="en-US" smtClean="0"/>
-              <a:t>2025-10-17</a:t>
+              <a:t>2025-10-20</a:t>
             </a:fld>
             <a:endParaRPr lang="ko-KR" altLang="en-US"/>
           </a:p>
@@ -2427,7 +2427,7 @@
           <a:p>
             <a:fld id="{35E42F27-78EE-462F-9F83-63B7CD668DFF}" type="datetimeFigureOut">
               <a:rPr lang="ko-KR" altLang="en-US" smtClean="0"/>
-              <a:t>2025-10-17</a:t>
+              <a:t>2025-10-20</a:t>
             </a:fld>
             <a:endParaRPr lang="ko-KR" altLang="en-US"/>
           </a:p>
@@ -2715,7 +2715,7 @@
           <a:p>
             <a:fld id="{35E42F27-78EE-462F-9F83-63B7CD668DFF}" type="datetimeFigureOut">
               <a:rPr lang="ko-KR" altLang="en-US" smtClean="0"/>
-              <a:t>2025-10-17</a:t>
+              <a:t>2025-10-20</a:t>
             </a:fld>
             <a:endParaRPr lang="ko-KR" altLang="en-US"/>
           </a:p>
@@ -2956,7 +2956,7 @@
           <a:p>
             <a:fld id="{35E42F27-78EE-462F-9F83-63B7CD668DFF}" type="datetimeFigureOut">
               <a:rPr lang="ko-KR" altLang="en-US" smtClean="0"/>
-              <a:t>2025-10-17</a:t>
+              <a:t>2025-10-20</a:t>
             </a:fld>
             <a:endParaRPr lang="ko-KR" altLang="en-US"/>
           </a:p>
@@ -4316,10 +4316,10 @@
       </p:pic>
       <p:pic>
         <p:nvPicPr>
-          <p:cNvPr id="6" name="그림 5">
-            <a:extLst>
-              <a:ext uri="{FF2B5EF4-FFF2-40B4-BE49-F238E27FC236}">
-                <a16:creationId xmlns:a16="http://schemas.microsoft.com/office/drawing/2014/main" id="{D441D330-4206-4F22-9330-015A9CE16B19}"/>
+          <p:cNvPr id="8" name="그림 7">
+            <a:extLst>
+              <a:ext uri="{FF2B5EF4-FFF2-40B4-BE49-F238E27FC236}">
+                <a16:creationId xmlns:a16="http://schemas.microsoft.com/office/drawing/2014/main" id="{D59C39D9-79FF-4EE2-B6C2-311B3238B1C5}"/>
               </a:ext>
             </a:extLst>
           </p:cNvPr>
@@ -4336,8 +4336,8 @@
         </p:blipFill>
         <p:spPr>
           <a:xfrm>
-            <a:off x="6251991" y="2218519"/>
-            <a:ext cx="4744112" cy="2829320"/>
+            <a:off x="5442253" y="5575670"/>
+            <a:ext cx="5553850" cy="495369"/>
           </a:xfrm>
           <a:prstGeom prst="rect">
             <a:avLst/>
@@ -4346,10 +4346,10 @@
       </p:pic>
       <p:pic>
         <p:nvPicPr>
-          <p:cNvPr id="8" name="그림 7">
-            <a:extLst>
-              <a:ext uri="{FF2B5EF4-FFF2-40B4-BE49-F238E27FC236}">
-                <a16:creationId xmlns:a16="http://schemas.microsoft.com/office/drawing/2014/main" id="{D59C39D9-79FF-4EE2-B6C2-311B3238B1C5}"/>
+          <p:cNvPr id="5" name="그림 4">
+            <a:extLst>
+              <a:ext uri="{FF2B5EF4-FFF2-40B4-BE49-F238E27FC236}">
+                <a16:creationId xmlns:a16="http://schemas.microsoft.com/office/drawing/2014/main" id="{86ABC38F-EED3-4521-9E61-F4A482AFE972}"/>
               </a:ext>
             </a:extLst>
           </p:cNvPr>
@@ -4366,8 +4366,8 @@
         </p:blipFill>
         <p:spPr>
           <a:xfrm>
-            <a:off x="5442253" y="5575670"/>
-            <a:ext cx="5553850" cy="495369"/>
+            <a:off x="6096000" y="2242334"/>
+            <a:ext cx="4753638" cy="2800741"/>
           </a:xfrm>
           <a:prstGeom prst="rect">
             <a:avLst/>
